--- a/lectures/lecture-03/Lecture-Live A00/Lecture 03 - Lecture.pptx
+++ b/lectures/lecture-03/Lecture-Live A00/Lecture 03 - Lecture.pptx
@@ -835,7 +835,7 @@
           <a:p>
             <a:fld id="{3A2BF66F-FEB0-48C1-A8B9-A73F54BB1A08}" type="datetimeFigureOut">
               <a:rPr lang="en-US" smtClean="0"/>
-              <a:t>10/6/2020</a:t>
+              <a:t>10/7/2020</a:t>
             </a:fld>
             <a:endParaRPr lang="en-US"/>
           </a:p>
@@ -1035,7 +1035,7 @@
           <a:p>
             <a:fld id="{3A2BF66F-FEB0-48C1-A8B9-A73F54BB1A08}" type="datetimeFigureOut">
               <a:rPr lang="en-US" smtClean="0"/>
-              <a:t>10/6/2020</a:t>
+              <a:t>10/7/2020</a:t>
             </a:fld>
             <a:endParaRPr lang="en-US"/>
           </a:p>
@@ -1245,7 +1245,7 @@
           <a:p>
             <a:fld id="{3A2BF66F-FEB0-48C1-A8B9-A73F54BB1A08}" type="datetimeFigureOut">
               <a:rPr lang="en-US" smtClean="0"/>
-              <a:t>10/6/2020</a:t>
+              <a:t>10/7/2020</a:t>
             </a:fld>
             <a:endParaRPr lang="en-US"/>
           </a:p>
@@ -1445,7 +1445,7 @@
           <a:p>
             <a:fld id="{3A2BF66F-FEB0-48C1-A8B9-A73F54BB1A08}" type="datetimeFigureOut">
               <a:rPr lang="en-US" smtClean="0"/>
-              <a:t>10/6/2020</a:t>
+              <a:t>10/7/2020</a:t>
             </a:fld>
             <a:endParaRPr lang="en-US"/>
           </a:p>
@@ -1722,7 +1722,7 @@
           <a:p>
             <a:fld id="{3A2BF66F-FEB0-48C1-A8B9-A73F54BB1A08}" type="datetimeFigureOut">
               <a:rPr lang="en-US" smtClean="0"/>
-              <a:t>10/6/2020</a:t>
+              <a:t>10/7/2020</a:t>
             </a:fld>
             <a:endParaRPr lang="en-US"/>
           </a:p>
@@ -1989,7 +1989,7 @@
           <a:p>
             <a:fld id="{3A2BF66F-FEB0-48C1-A8B9-A73F54BB1A08}" type="datetimeFigureOut">
               <a:rPr lang="en-US" smtClean="0"/>
-              <a:t>10/6/2020</a:t>
+              <a:t>10/7/2020</a:t>
             </a:fld>
             <a:endParaRPr lang="en-US"/>
           </a:p>
@@ -2403,7 +2403,7 @@
           <a:p>
             <a:fld id="{3A2BF66F-FEB0-48C1-A8B9-A73F54BB1A08}" type="datetimeFigureOut">
               <a:rPr lang="en-US" smtClean="0"/>
-              <a:t>10/6/2020</a:t>
+              <a:t>10/7/2020</a:t>
             </a:fld>
             <a:endParaRPr lang="en-US"/>
           </a:p>
@@ -2546,7 +2546,7 @@
           <a:p>
             <a:fld id="{3A2BF66F-FEB0-48C1-A8B9-A73F54BB1A08}" type="datetimeFigureOut">
               <a:rPr lang="en-US" smtClean="0"/>
-              <a:t>10/6/2020</a:t>
+              <a:t>10/7/2020</a:t>
             </a:fld>
             <a:endParaRPr lang="en-US"/>
           </a:p>
@@ -2661,7 +2661,7 @@
           <a:p>
             <a:fld id="{3A2BF66F-FEB0-48C1-A8B9-A73F54BB1A08}" type="datetimeFigureOut">
               <a:rPr lang="en-US" smtClean="0"/>
-              <a:t>10/6/2020</a:t>
+              <a:t>10/7/2020</a:t>
             </a:fld>
             <a:endParaRPr lang="en-US"/>
           </a:p>
@@ -2973,7 +2973,7 @@
           <a:p>
             <a:fld id="{3A2BF66F-FEB0-48C1-A8B9-A73F54BB1A08}" type="datetimeFigureOut">
               <a:rPr lang="en-US" smtClean="0"/>
-              <a:t>10/6/2020</a:t>
+              <a:t>10/7/2020</a:t>
             </a:fld>
             <a:endParaRPr lang="en-US"/>
           </a:p>
@@ -3263,7 +3263,7 @@
           <a:p>
             <a:fld id="{3A2BF66F-FEB0-48C1-A8B9-A73F54BB1A08}" type="datetimeFigureOut">
               <a:rPr lang="en-US" smtClean="0"/>
-              <a:t>10/6/2020</a:t>
+              <a:t>10/7/2020</a:t>
             </a:fld>
             <a:endParaRPr lang="en-US"/>
           </a:p>
@@ -3506,7 +3506,7 @@
           <a:p>
             <a:fld id="{3A2BF66F-FEB0-48C1-A8B9-A73F54BB1A08}" type="datetimeFigureOut">
               <a:rPr lang="en-US" smtClean="0"/>
-              <a:t>10/6/2020</a:t>
+              <a:t>10/7/2020</a:t>
             </a:fld>
             <a:endParaRPr lang="en-US"/>
           </a:p>
@@ -4118,7 +4118,7 @@
           <a:p>
             <a:r>
               <a:rPr lang="en-US" dirty="0"/>
-              <a:t>Quiz 4 due Friday @ </a:t>
+              <a:t>Quiz 3 due Friday @ </a:t>
             </a:r>
             <a:r>
               <a:rPr lang="en-US" dirty="0" err="1"/>
